--- a/Progress track/architecture.pptx
+++ b/Progress track/architecture.pptx
@@ -252,7 +252,7 @@
 <file path=ppt/revisionInfo.xml><?xml version="1.0" encoding="utf-8"?>
 <p1510:revInfo xmlns:a="http://schemas.openxmlformats.org/drawingml/2006/main" xmlns:r="http://schemas.openxmlformats.org/officeDocument/2006/relationships" xmlns:p1510="http://schemas.microsoft.com/office/powerpoint/2015/10/main">
   <p1510:revLst>
-    <p1510:client id="{D694145B-9703-3D4F-88DC-914454FC0BFA}" v="97" dt="2022-01-16T19:11:02.353"/>
+    <p1510:client id="{D694145B-9703-3D4F-88DC-914454FC0BFA}" v="99" dt="2022-01-16T19:25:30.678"/>
   </p1510:revLst>
 </p1510:revInfo>
 </file>
@@ -262,7 +262,7 @@
   <pc:docChgLst>
     <pc:chgData name="Sivarajkumar, Sonish" userId="1477f2f0-9ec9-44ac-b20e-c6dd0f9f34fb" providerId="ADAL" clId="{D694145B-9703-3D4F-88DC-914454FC0BFA}"/>
     <pc:docChg chg="custSel addSld delSld modSld sldOrd">
-      <pc:chgData name="Sivarajkumar, Sonish" userId="1477f2f0-9ec9-44ac-b20e-c6dd0f9f34fb" providerId="ADAL" clId="{D694145B-9703-3D4F-88DC-914454FC0BFA}" dt="2022-01-16T19:12:58.609" v="446" actId="207"/>
+      <pc:chgData name="Sivarajkumar, Sonish" userId="1477f2f0-9ec9-44ac-b20e-c6dd0f9f34fb" providerId="ADAL" clId="{D694145B-9703-3D4F-88DC-914454FC0BFA}" dt="2022-01-16T19:25:21.696" v="447" actId="313"/>
       <pc:docMkLst>
         <pc:docMk/>
       </pc:docMkLst>
@@ -297,7 +297,7 @@
         </pc:spChg>
       </pc:sldChg>
       <pc:sldChg chg="delSp modSp mod ord setBg">
-        <pc:chgData name="Sivarajkumar, Sonish" userId="1477f2f0-9ec9-44ac-b20e-c6dd0f9f34fb" providerId="ADAL" clId="{D694145B-9703-3D4F-88DC-914454FC0BFA}" dt="2022-01-16T19:12:58.609" v="446" actId="207"/>
+        <pc:chgData name="Sivarajkumar, Sonish" userId="1477f2f0-9ec9-44ac-b20e-c6dd0f9f34fb" providerId="ADAL" clId="{D694145B-9703-3D4F-88DC-914454FC0BFA}" dt="2022-01-16T19:25:21.696" v="447" actId="313"/>
         <pc:sldMkLst>
           <pc:docMk/>
           <pc:sldMk cId="3900566953" sldId="258"/>
@@ -359,7 +359,7 @@
           </ac:spMkLst>
         </pc:spChg>
         <pc:spChg chg="mod">
-          <ac:chgData name="Sivarajkumar, Sonish" userId="1477f2f0-9ec9-44ac-b20e-c6dd0f9f34fb" providerId="ADAL" clId="{D694145B-9703-3D4F-88DC-914454FC0BFA}" dt="2022-01-16T19:07:22.543" v="108" actId="1076"/>
+          <ac:chgData name="Sivarajkumar, Sonish" userId="1477f2f0-9ec9-44ac-b20e-c6dd0f9f34fb" providerId="ADAL" clId="{D694145B-9703-3D4F-88DC-914454FC0BFA}" dt="2022-01-16T19:25:21.696" v="447" actId="313"/>
           <ac:spMkLst>
             <pc:docMk/>
             <pc:sldMk cId="3900566953" sldId="258"/>
@@ -16123,15 +16123,7 @@
             <a:pPr algn="ctr"/>
             <a:r>
               <a:rPr lang="en-US" sz="1400" dirty="0"/>
-              <a:t>(Libraries: </a:t>
-            </a:r>
-            <a:r>
-              <a:rPr lang="en-US" sz="1400" dirty="0" err="1"/>
-              <a:t>ElementTree</a:t>
-            </a:r>
-            <a:r>
-              <a:rPr lang="en-US" sz="1400" dirty="0"/>
-              <a:t>, Dataset)</a:t>
+              <a:t>(Libraries: ElementTree, Dataset)</a:t>
             </a:r>
           </a:p>
         </p:txBody>
@@ -16447,15 +16439,7 @@
             <a:pPr algn="ctr"/>
             <a:r>
               <a:rPr lang="en-US" sz="1400" dirty="0"/>
-              <a:t>(</a:t>
-            </a:r>
-            <a:r>
-              <a:rPr lang="en-US" sz="1400" dirty="0" err="1"/>
-              <a:t>Eg</a:t>
-            </a:r>
-            <a:r>
-              <a:rPr lang="en-US" sz="1400" dirty="0"/>
-              <a:t>: Classes)</a:t>
+              <a:t>(E.g.: Classes)</a:t>
             </a:r>
           </a:p>
         </p:txBody>
@@ -16581,15 +16565,7 @@
             <a:pPr algn="ctr"/>
             <a:r>
               <a:rPr lang="en-US" sz="1400" dirty="0"/>
-              <a:t>(</a:t>
-            </a:r>
-            <a:r>
-              <a:rPr lang="en-US" sz="1400" dirty="0" err="1"/>
-              <a:t>Autoprompt</a:t>
-            </a:r>
-            <a:r>
-              <a:rPr lang="en-US" sz="1400" dirty="0"/>
-              <a:t>/ manual)</a:t>
+              <a:t>(Autoprompt/ manual)</a:t>
             </a:r>
           </a:p>
         </p:txBody>
@@ -17308,15 +17284,7 @@
           <a:p>
             <a:r>
               <a:rPr lang="en-US" dirty="0"/>
-              <a:t>Structure the XML into a dataset – using </a:t>
-            </a:r>
-            <a:r>
-              <a:rPr lang="en-US" dirty="0" err="1"/>
-              <a:t>ElementTree</a:t>
-            </a:r>
-            <a:r>
-              <a:rPr lang="en-US" dirty="0"/>
-              <a:t>, and Custom Dataset </a:t>
+              <a:t>Structure the XML into a dataset – using ElementTree, and Custom Dataset </a:t>
             </a:r>
           </a:p>
           <a:p>

--- a/Progress track/architecture.pptx
+++ b/Progress track/architecture.pptx
@@ -252,7 +252,7 @@
 <file path=ppt/revisionInfo.xml><?xml version="1.0" encoding="utf-8"?>
 <p1510:revInfo xmlns:a="http://schemas.openxmlformats.org/drawingml/2006/main" xmlns:r="http://schemas.openxmlformats.org/officeDocument/2006/relationships" xmlns:p1510="http://schemas.microsoft.com/office/powerpoint/2015/10/main">
   <p1510:revLst>
-    <p1510:client id="{D694145B-9703-3D4F-88DC-914454FC0BFA}" v="99" dt="2022-01-16T19:25:30.678"/>
+    <p1510:client id="{D694145B-9703-3D4F-88DC-914454FC0BFA}" v="100" dt="2022-01-16T21:14:06.394"/>
   </p1510:revLst>
 </p1510:revInfo>
 </file>
@@ -16270,15 +16270,7 @@
             <a:pPr algn="ctr"/>
             <a:r>
               <a:rPr lang="en-US" sz="1400" dirty="0"/>
-              <a:t>Text splitting into sentence (Libraries: </a:t>
-            </a:r>
-            <a:r>
-              <a:rPr lang="en-US" sz="1400" dirty="0" err="1"/>
-              <a:t>nltk</a:t>
-            </a:r>
-            <a:r>
-              <a:rPr lang="en-US" sz="1400" dirty="0"/>
-              <a:t>)</a:t>
+              <a:t>Text splitting into sentence (Libraries: nltk)</a:t>
             </a:r>
           </a:p>
         </p:txBody>
@@ -17310,15 +17302,7 @@
           <a:p>
             <a:r>
               <a:rPr lang="en-US" dirty="0"/>
-              <a:t>Text splitting into sentence using </a:t>
-            </a:r>
-            <a:r>
-              <a:rPr lang="en-US" dirty="0" err="1"/>
-              <a:t>nltk</a:t>
-            </a:r>
-            <a:r>
-              <a:rPr lang="en-US" dirty="0"/>
-              <a:t> sentence tokenizer</a:t>
+              <a:t>Text splitting into sentence using nltk sentence tokenizer</a:t>
             </a:r>
           </a:p>
           <a:p>
